--- a/Abstract Paper Model.pptx
+++ b/Abstract Paper Model.pptx
@@ -6,6 +6,7 @@
   </p:sldMasterIdLst>
   <p:sldIdLst>
     <p:sldId id="256" r:id="rId2"/>
+    <p:sldId id="257" r:id="rId3"/>
   </p:sldIdLst>
   <p:sldSz cx="12192000" cy="6858000"/>
   <p:notesSz cx="6858000" cy="9144000"/>
@@ -6298,6 +6299,1255 @@
 </p:sld>
 </file>
 
+<file path=ppt/slides/slide2.xml><?xml version="1.0" encoding="utf-8"?>
+<p:sld xmlns:a="http://schemas.openxmlformats.org/drawingml/2006/main" xmlns:r="http://schemas.openxmlformats.org/officeDocument/2006/relationships" xmlns:p="http://schemas.openxmlformats.org/presentationml/2006/main">
+  <p:cSld>
+    <p:spTree>
+      <p:nvGrpSpPr>
+        <p:cNvPr id="1" name=""/>
+        <p:cNvGrpSpPr/>
+        <p:nvPr/>
+      </p:nvGrpSpPr>
+      <p:grpSpPr>
+        <a:xfrm>
+          <a:off x="0" y="0"/>
+          <a:ext cx="0" cy="0"/>
+          <a:chOff x="0" y="0"/>
+          <a:chExt cx="0" cy="0"/>
+        </a:xfrm>
+      </p:grpSpPr>
+      <p:sp>
+        <p:nvSpPr>
+          <p:cNvPr id="2" name="Title 1">
+            <a:extLst>
+              <a:ext uri="{FF2B5EF4-FFF2-40B4-BE49-F238E27FC236}">
+                <a16:creationId xmlns:a16="http://schemas.microsoft.com/office/drawing/2014/main" id="{82A6AEEF-1A74-49A5-1B2F-94F023897D8E}"/>
+              </a:ext>
+            </a:extLst>
+          </p:cNvPr>
+          <p:cNvSpPr>
+            <a:spLocks noGrp="1"/>
+          </p:cNvSpPr>
+          <p:nvPr>
+            <p:ph type="title"/>
+          </p:nvPr>
+        </p:nvSpPr>
+        <p:spPr>
+          <a:xfrm>
+            <a:off x="0" y="-295778"/>
+            <a:ext cx="10515600" cy="1325563"/>
+          </a:xfrm>
+        </p:spPr>
+        <p:txBody>
+          <a:bodyPr/>
+          <a:lstStyle/>
+          <a:p>
+            <a:r>
+              <a:rPr lang="en-US" dirty="0">
+                <a:ln w="0"/>
+                <a:effectLst>
+                  <a:outerShdw blurRad="38100" dist="19050" dir="2700000" algn="tl" rotWithShape="0">
+                    <a:schemeClr val="dk1">
+                      <a:alpha val="40000"/>
+                    </a:schemeClr>
+                  </a:outerShdw>
+                </a:effectLst>
+              </a:rPr>
+              <a:t>ROPE Table</a:t>
+            </a:r>
+            <a:endParaRPr lang="en-US" dirty="0"/>
+          </a:p>
+        </p:txBody>
+      </p:sp>
+      <p:graphicFrame>
+        <p:nvGraphicFramePr>
+          <p:cNvPr id="4" name="Table 4">
+            <a:extLst>
+              <a:ext uri="{FF2B5EF4-FFF2-40B4-BE49-F238E27FC236}">
+                <a16:creationId xmlns:a16="http://schemas.microsoft.com/office/drawing/2014/main" id="{AA3B44C0-CA18-4CEC-FF6B-AFFCB506FEEC}"/>
+              </a:ext>
+            </a:extLst>
+          </p:cNvPr>
+          <p:cNvGraphicFramePr>
+            <a:graphicFrameLocks noGrp="1"/>
+          </p:cNvGraphicFramePr>
+          <p:nvPr>
+            <p:extLst>
+              <p:ext uri="{D42A27DB-BD31-4B8C-83A1-F6EECF244321}">
+                <p14:modId xmlns:p14="http://schemas.microsoft.com/office/powerpoint/2010/main" val="1734062923"/>
+              </p:ext>
+            </p:extLst>
+          </p:nvPr>
+        </p:nvGraphicFramePr>
+        <p:xfrm>
+          <a:off x="1372355" y="558813"/>
+          <a:ext cx="10228068" cy="6492240"/>
+        </p:xfrm>
+        <a:graphic>
+          <a:graphicData uri="http://schemas.openxmlformats.org/drawingml/2006/table">
+            <a:tbl>
+              <a:tblPr firstRow="1" bandRow="1">
+                <a:tableStyleId>{793D81CF-94F2-401A-BA57-92F5A7B2D0C5}</a:tableStyleId>
+              </a:tblPr>
+              <a:tblGrid>
+                <a:gridCol w="457200">
+                  <a:extLst>
+                    <a:ext uri="{9D8B030D-6E8A-4147-A177-3AD203B41FA5}">
+                      <a16:colId xmlns:a16="http://schemas.microsoft.com/office/drawing/2014/main" val="1060189060"/>
+                    </a:ext>
+                  </a:extLst>
+                </a:gridCol>
+                <a:gridCol w="2442717">
+                  <a:extLst>
+                    <a:ext uri="{9D8B030D-6E8A-4147-A177-3AD203B41FA5}">
+                      <a16:colId xmlns:a16="http://schemas.microsoft.com/office/drawing/2014/main" val="232136057"/>
+                    </a:ext>
+                  </a:extLst>
+                </a:gridCol>
+                <a:gridCol w="2442717">
+                  <a:extLst>
+                    <a:ext uri="{9D8B030D-6E8A-4147-A177-3AD203B41FA5}">
+                      <a16:colId xmlns:a16="http://schemas.microsoft.com/office/drawing/2014/main" val="654596814"/>
+                    </a:ext>
+                  </a:extLst>
+                </a:gridCol>
+                <a:gridCol w="2442717">
+                  <a:extLst>
+                    <a:ext uri="{9D8B030D-6E8A-4147-A177-3AD203B41FA5}">
+                      <a16:colId xmlns:a16="http://schemas.microsoft.com/office/drawing/2014/main" val="2528674539"/>
+                    </a:ext>
+                  </a:extLst>
+                </a:gridCol>
+                <a:gridCol w="2442717">
+                  <a:extLst>
+                    <a:ext uri="{9D8B030D-6E8A-4147-A177-3AD203B41FA5}">
+                      <a16:colId xmlns:a16="http://schemas.microsoft.com/office/drawing/2014/main" val="757152087"/>
+                    </a:ext>
+                  </a:extLst>
+                </a:gridCol>
+              </a:tblGrid>
+              <a:tr h="274320">
+                <a:tc>
+                  <a:txBody>
+                    <a:bodyPr/>
+                    <a:lstStyle/>
+                    <a:p>
+                      <a:pPr algn="ctr"/>
+                      <a:endParaRPr lang="en-US" sz="2400" b="1" dirty="0"/>
+                    </a:p>
+                  </a:txBody>
+                  <a:tcPr anchor="ctr">
+                    <a:lnB w="12700" cap="flat" cmpd="sng" algn="ctr">
+                      <a:solidFill>
+                        <a:schemeClr val="tx1"/>
+                      </a:solidFill>
+                      <a:prstDash val="solid"/>
+                      <a:round/>
+                      <a:headEnd type="none" w="med" len="med"/>
+                      <a:tailEnd type="none" w="med" len="med"/>
+                    </a:lnB>
+                  </a:tcPr>
+                </a:tc>
+                <a:tc>
+                  <a:txBody>
+                    <a:bodyPr/>
+                    <a:lstStyle/>
+                    <a:p>
+                      <a:r>
+                        <a:rPr lang="en-US" sz="2400" dirty="0"/>
+                        <a:t>Resources</a:t>
+                      </a:r>
+                    </a:p>
+                  </a:txBody>
+                  <a:tcPr>
+                    <a:lnB w="12700" cap="flat" cmpd="sng" algn="ctr">
+                      <a:solidFill>
+                        <a:schemeClr val="tx1"/>
+                      </a:solidFill>
+                      <a:prstDash val="solid"/>
+                      <a:round/>
+                      <a:headEnd type="none" w="med" len="med"/>
+                      <a:tailEnd type="none" w="med" len="med"/>
+                    </a:lnB>
+                  </a:tcPr>
+                </a:tc>
+                <a:tc>
+                  <a:txBody>
+                    <a:bodyPr/>
+                    <a:lstStyle/>
+                    <a:p>
+                      <a:r>
+                        <a:rPr lang="en-US" sz="2400" dirty="0"/>
+                        <a:t>Operations</a:t>
+                      </a:r>
+                    </a:p>
+                  </a:txBody>
+                  <a:tcPr>
+                    <a:lnB w="12700" cap="flat" cmpd="sng" algn="ctr">
+                      <a:solidFill>
+                        <a:schemeClr val="tx1"/>
+                      </a:solidFill>
+                      <a:prstDash val="solid"/>
+                      <a:round/>
+                      <a:headEnd type="none" w="med" len="med"/>
+                      <a:tailEnd type="none" w="med" len="med"/>
+                    </a:lnB>
+                  </a:tcPr>
+                </a:tc>
+                <a:tc>
+                  <a:txBody>
+                    <a:bodyPr/>
+                    <a:lstStyle/>
+                    <a:p>
+                      <a:r>
+                        <a:rPr lang="en-US" sz="2400" dirty="0"/>
+                        <a:t>Policies</a:t>
+                      </a:r>
+                    </a:p>
+                  </a:txBody>
+                  <a:tcPr>
+                    <a:lnB w="12700" cap="flat" cmpd="sng" algn="ctr">
+                      <a:solidFill>
+                        <a:schemeClr val="tx1"/>
+                      </a:solidFill>
+                      <a:prstDash val="solid"/>
+                      <a:round/>
+                      <a:headEnd type="none" w="med" len="med"/>
+                      <a:tailEnd type="none" w="med" len="med"/>
+                    </a:lnB>
+                  </a:tcPr>
+                </a:tc>
+                <a:tc>
+                  <a:txBody>
+                    <a:bodyPr/>
+                    <a:lstStyle/>
+                    <a:p>
+                      <a:r>
+                        <a:rPr lang="en-US" sz="2400" dirty="0"/>
+                        <a:t>Economics</a:t>
+                      </a:r>
+                    </a:p>
+                  </a:txBody>
+                  <a:tcPr>
+                    <a:lnB w="12700" cap="flat" cmpd="sng" algn="ctr">
+                      <a:solidFill>
+                        <a:schemeClr val="tx1"/>
+                      </a:solidFill>
+                      <a:prstDash val="solid"/>
+                      <a:round/>
+                      <a:headEnd type="none" w="med" len="med"/>
+                      <a:tailEnd type="none" w="med" len="med"/>
+                    </a:lnB>
+                  </a:tcPr>
+                </a:tc>
+                <a:extLst>
+                  <a:ext uri="{0D108BD9-81ED-4DB2-BD59-A6C34878D82A}">
+                    <a16:rowId xmlns:a16="http://schemas.microsoft.com/office/drawing/2014/main" val="2245491682"/>
+                  </a:ext>
+                </a:extLst>
+              </a:tr>
+              <a:tr h="2269940">
+                <a:tc>
+                  <a:txBody>
+                    <a:bodyPr/>
+                    <a:lstStyle/>
+                    <a:p>
+                      <a:pPr algn="ctr"/>
+                      <a:r>
+                        <a:rPr lang="el-GR" sz="2400" b="1" dirty="0"/>
+                        <a:t>α</a:t>
+                      </a:r>
+                      <a:endParaRPr lang="en-US" sz="2400" b="1" dirty="0"/>
+                    </a:p>
+                  </a:txBody>
+                  <a:tcPr anchor="ctr">
+                    <a:lnL w="12700" cap="flat" cmpd="sng" algn="ctr">
+                      <a:solidFill>
+                        <a:schemeClr val="tx1"/>
+                      </a:solidFill>
+                      <a:prstDash val="solid"/>
+                      <a:round/>
+                      <a:headEnd type="none" w="med" len="med"/>
+                      <a:tailEnd type="none" w="med" len="med"/>
+                    </a:lnL>
+                    <a:lnR w="12700" cap="flat" cmpd="sng" algn="ctr">
+                      <a:solidFill>
+                        <a:schemeClr val="tx1"/>
+                      </a:solidFill>
+                      <a:prstDash val="solid"/>
+                      <a:round/>
+                      <a:headEnd type="none" w="med" len="med"/>
+                      <a:tailEnd type="none" w="med" len="med"/>
+                    </a:lnR>
+                    <a:lnT w="12700" cap="flat" cmpd="sng" algn="ctr">
+                      <a:solidFill>
+                        <a:schemeClr val="tx1"/>
+                      </a:solidFill>
+                      <a:prstDash val="solid"/>
+                      <a:round/>
+                      <a:headEnd type="none" w="med" len="med"/>
+                      <a:tailEnd type="none" w="med" len="med"/>
+                    </a:lnT>
+                    <a:lnB w="12700" cap="flat" cmpd="sng" algn="ctr">
+                      <a:solidFill>
+                        <a:schemeClr val="tx1"/>
+                      </a:solidFill>
+                      <a:prstDash val="solid"/>
+                      <a:round/>
+                      <a:headEnd type="none" w="med" len="med"/>
+                      <a:tailEnd type="none" w="med" len="med"/>
+                    </a:lnB>
+                  </a:tcPr>
+                </a:tc>
+                <a:tc>
+                  <a:txBody>
+                    <a:bodyPr/>
+                    <a:lstStyle/>
+                    <a:p>
+                      <a:pPr marL="285750" indent="-285750">
+                        <a:buFont typeface="Arial" panose="020B0604020202020204" pitchFamily="34" charset="0"/>
+                        <a:buChar char="•"/>
+                      </a:pPr>
+                      <a:r>
+                        <a:rPr lang="en-US" dirty="0"/>
+                        <a:t>Individual SRA types (SRA Agents, UAVs, Drones)</a:t>
+                      </a:r>
+                    </a:p>
+                    <a:p>
+                      <a:pPr marL="285750" indent="-285750">
+                        <a:buFont typeface="Arial" panose="020B0604020202020204" pitchFamily="34" charset="0"/>
+                        <a:buChar char="•"/>
+                      </a:pPr>
+                      <a:r>
+                        <a:rPr lang="en-US" dirty="0"/>
+                        <a:t>Zones (Medical, FOB, Evacuation)</a:t>
+                      </a:r>
+                    </a:p>
+                  </a:txBody>
+                  <a:tcPr>
+                    <a:lnL w="12700" cap="flat" cmpd="sng" algn="ctr">
+                      <a:solidFill>
+                        <a:schemeClr val="tx1"/>
+                      </a:solidFill>
+                      <a:prstDash val="solid"/>
+                      <a:round/>
+                      <a:headEnd type="none" w="med" len="med"/>
+                      <a:tailEnd type="none" w="med" len="med"/>
+                    </a:lnL>
+                    <a:lnR w="12700" cap="flat" cmpd="sng" algn="ctr">
+                      <a:solidFill>
+                        <a:schemeClr val="tx1"/>
+                      </a:solidFill>
+                      <a:prstDash val="solid"/>
+                      <a:round/>
+                      <a:headEnd type="none" w="med" len="med"/>
+                      <a:tailEnd type="none" w="med" len="med"/>
+                    </a:lnR>
+                    <a:lnT w="12700" cap="flat" cmpd="sng" algn="ctr">
+                      <a:solidFill>
+                        <a:schemeClr val="tx1"/>
+                      </a:solidFill>
+                      <a:prstDash val="solid"/>
+                      <a:round/>
+                      <a:headEnd type="none" w="med" len="med"/>
+                      <a:tailEnd type="none" w="med" len="med"/>
+                    </a:lnT>
+                    <a:lnB w="12700" cap="flat" cmpd="sng" algn="ctr">
+                      <a:solidFill>
+                        <a:schemeClr val="tx1"/>
+                      </a:solidFill>
+                      <a:prstDash val="solid"/>
+                      <a:round/>
+                      <a:headEnd type="none" w="med" len="med"/>
+                      <a:tailEnd type="none" w="med" len="med"/>
+                    </a:lnB>
+                  </a:tcPr>
+                </a:tc>
+                <a:tc>
+                  <a:txBody>
+                    <a:bodyPr/>
+                    <a:lstStyle/>
+                    <a:p>
+                      <a:pPr marL="285750" indent="-285750">
+                        <a:buFont typeface="Arial" panose="020B0604020202020204" pitchFamily="34" charset="0"/>
+                        <a:buChar char="•"/>
+                      </a:pPr>
+                      <a:r>
+                        <a:rPr lang="en-US" dirty="0"/>
+                        <a:t>Communications with other agents</a:t>
+                      </a:r>
+                    </a:p>
+                    <a:p>
+                      <a:pPr marL="285750" indent="-285750">
+                        <a:buFont typeface="Arial" panose="020B0604020202020204" pitchFamily="34" charset="0"/>
+                        <a:buChar char="•"/>
+                      </a:pPr>
+                      <a:r>
+                        <a:rPr lang="en-US" dirty="0"/>
+                        <a:t>Communications with FOB</a:t>
+                      </a:r>
+                    </a:p>
+                    <a:p>
+                      <a:pPr marL="285750" indent="-285750">
+                        <a:buFont typeface="Arial" panose="020B0604020202020204" pitchFamily="34" charset="0"/>
+                        <a:buChar char="•"/>
+                      </a:pPr>
+                      <a:r>
+                        <a:rPr lang="en-US" dirty="0"/>
+                        <a:t>Investigating (Moving to) areas of interest</a:t>
+                      </a:r>
+                    </a:p>
+                    <a:p>
+                      <a:pPr marL="285750" indent="-285750">
+                        <a:buFont typeface="Arial" panose="020B0604020202020204" pitchFamily="34" charset="0"/>
+                        <a:buChar char="•"/>
+                      </a:pPr>
+                      <a:r>
+                        <a:rPr lang="en-US" dirty="0"/>
+                        <a:t>Receiving civilians</a:t>
+                      </a:r>
+                    </a:p>
+                  </a:txBody>
+                  <a:tcPr>
+                    <a:lnL w="12700" cap="flat" cmpd="sng" algn="ctr">
+                      <a:solidFill>
+                        <a:schemeClr val="tx1"/>
+                      </a:solidFill>
+                      <a:prstDash val="solid"/>
+                      <a:round/>
+                      <a:headEnd type="none" w="med" len="med"/>
+                      <a:tailEnd type="none" w="med" len="med"/>
+                    </a:lnL>
+                    <a:lnR w="12700" cap="flat" cmpd="sng" algn="ctr">
+                      <a:solidFill>
+                        <a:schemeClr val="tx1"/>
+                      </a:solidFill>
+                      <a:prstDash val="solid"/>
+                      <a:round/>
+                      <a:headEnd type="none" w="med" len="med"/>
+                      <a:tailEnd type="none" w="med" len="med"/>
+                    </a:lnR>
+                    <a:lnT w="12700" cap="flat" cmpd="sng" algn="ctr">
+                      <a:solidFill>
+                        <a:schemeClr val="tx1"/>
+                      </a:solidFill>
+                      <a:prstDash val="solid"/>
+                      <a:round/>
+                      <a:headEnd type="none" w="med" len="med"/>
+                      <a:tailEnd type="none" w="med" len="med"/>
+                    </a:lnT>
+                    <a:lnB w="12700" cap="flat" cmpd="sng" algn="ctr">
+                      <a:solidFill>
+                        <a:schemeClr val="tx1"/>
+                      </a:solidFill>
+                      <a:prstDash val="solid"/>
+                      <a:round/>
+                      <a:headEnd type="none" w="med" len="med"/>
+                      <a:tailEnd type="none" w="med" len="med"/>
+                    </a:lnB>
+                  </a:tcPr>
+                </a:tc>
+                <a:tc>
+                  <a:txBody>
+                    <a:bodyPr/>
+                    <a:lstStyle/>
+                    <a:p>
+                      <a:pPr marL="285750" indent="-285750">
+                        <a:buFont typeface="Arial" panose="020B0604020202020204" pitchFamily="34" charset="0"/>
+                        <a:buChar char="•"/>
+                      </a:pPr>
+                      <a:r>
+                        <a:rPr lang="en-US" dirty="0"/>
+                        <a:t>Communications handshake between all resources / agents</a:t>
+                      </a:r>
+                    </a:p>
+                    <a:p>
+                      <a:pPr marL="285750" indent="-285750">
+                        <a:buFont typeface="Arial" panose="020B0604020202020204" pitchFamily="34" charset="0"/>
+                        <a:buChar char="•"/>
+                      </a:pPr>
+                      <a:r>
+                        <a:rPr lang="en-US" dirty="0"/>
+                        <a:t>Safety Regulations</a:t>
+                      </a:r>
+                    </a:p>
+                    <a:p>
+                      <a:pPr marL="285750" indent="-285750">
+                        <a:buFont typeface="Arial" panose="020B0604020202020204" pitchFamily="34" charset="0"/>
+                        <a:buChar char="•"/>
+                      </a:pPr>
+                      <a:r>
+                        <a:rPr lang="en-US" dirty="0"/>
+                        <a:t>SAR operations</a:t>
+                      </a:r>
+                    </a:p>
+                  </a:txBody>
+                  <a:tcPr>
+                    <a:lnL w="12700" cap="flat" cmpd="sng" algn="ctr">
+                      <a:solidFill>
+                        <a:schemeClr val="tx1"/>
+                      </a:solidFill>
+                      <a:prstDash val="solid"/>
+                      <a:round/>
+                      <a:headEnd type="none" w="med" len="med"/>
+                      <a:tailEnd type="none" w="med" len="med"/>
+                    </a:lnL>
+                    <a:lnR w="12700" cap="flat" cmpd="sng" algn="ctr">
+                      <a:solidFill>
+                        <a:schemeClr val="tx1"/>
+                      </a:solidFill>
+                      <a:prstDash val="solid"/>
+                      <a:round/>
+                      <a:headEnd type="none" w="med" len="med"/>
+                      <a:tailEnd type="none" w="med" len="med"/>
+                    </a:lnR>
+                    <a:lnT w="12700" cap="flat" cmpd="sng" algn="ctr">
+                      <a:solidFill>
+                        <a:schemeClr val="tx1"/>
+                      </a:solidFill>
+                      <a:prstDash val="solid"/>
+                      <a:round/>
+                      <a:headEnd type="none" w="med" len="med"/>
+                      <a:tailEnd type="none" w="med" len="med"/>
+                    </a:lnT>
+                    <a:lnB w="12700" cap="flat" cmpd="sng" algn="ctr">
+                      <a:solidFill>
+                        <a:schemeClr val="tx1"/>
+                      </a:solidFill>
+                      <a:prstDash val="solid"/>
+                      <a:round/>
+                      <a:headEnd type="none" w="med" len="med"/>
+                      <a:tailEnd type="none" w="med" len="med"/>
+                    </a:lnB>
+                  </a:tcPr>
+                </a:tc>
+                <a:tc>
+                  <a:txBody>
+                    <a:bodyPr/>
+                    <a:lstStyle/>
+                    <a:p>
+                      <a:pPr marL="285750" indent="-285750">
+                        <a:buFont typeface="Arial" panose="020B0604020202020204" pitchFamily="34" charset="0"/>
+                        <a:buChar char="•"/>
+                      </a:pPr>
+                      <a:r>
+                        <a:rPr lang="en-US" dirty="0"/>
+                        <a:t>Cost of provisioning and operating individual SAR types</a:t>
+                      </a:r>
+                    </a:p>
+                    <a:p>
+                      <a:pPr marL="285750" indent="-285750">
+                        <a:buFont typeface="Arial" panose="020B0604020202020204" pitchFamily="34" charset="0"/>
+                        <a:buChar char="•"/>
+                      </a:pPr>
+                      <a:r>
+                        <a:rPr lang="en-US" dirty="0"/>
+                        <a:t>Material and Infrastructure costs</a:t>
+                      </a:r>
+                    </a:p>
+                    <a:p>
+                      <a:pPr marL="285750" indent="-285750">
+                        <a:buFont typeface="Arial" panose="020B0604020202020204" pitchFamily="34" charset="0"/>
+                        <a:buChar char="•"/>
+                      </a:pPr>
+                      <a:r>
+                        <a:rPr lang="en-US" dirty="0"/>
+                        <a:t>Costs of Zone Operations</a:t>
+                      </a:r>
+                    </a:p>
+                  </a:txBody>
+                  <a:tcPr>
+                    <a:lnL w="12700" cap="flat" cmpd="sng" algn="ctr">
+                      <a:solidFill>
+                        <a:schemeClr val="tx1"/>
+                      </a:solidFill>
+                      <a:prstDash val="solid"/>
+                      <a:round/>
+                      <a:headEnd type="none" w="med" len="med"/>
+                      <a:tailEnd type="none" w="med" len="med"/>
+                    </a:lnL>
+                    <a:lnR w="12700" cap="flat" cmpd="sng" algn="ctr">
+                      <a:solidFill>
+                        <a:schemeClr val="tx1"/>
+                      </a:solidFill>
+                      <a:prstDash val="solid"/>
+                      <a:round/>
+                      <a:headEnd type="none" w="med" len="med"/>
+                      <a:tailEnd type="none" w="med" len="med"/>
+                    </a:lnR>
+                    <a:lnT w="12700" cap="flat" cmpd="sng" algn="ctr">
+                      <a:solidFill>
+                        <a:schemeClr val="tx1"/>
+                      </a:solidFill>
+                      <a:prstDash val="solid"/>
+                      <a:round/>
+                      <a:headEnd type="none" w="med" len="med"/>
+                      <a:tailEnd type="none" w="med" len="med"/>
+                    </a:lnT>
+                    <a:lnB w="12700" cap="flat" cmpd="sng" algn="ctr">
+                      <a:solidFill>
+                        <a:schemeClr val="tx1"/>
+                      </a:solidFill>
+                      <a:prstDash val="solid"/>
+                      <a:round/>
+                      <a:headEnd type="none" w="med" len="med"/>
+                      <a:tailEnd type="none" w="med" len="med"/>
+                    </a:lnB>
+                  </a:tcPr>
+                </a:tc>
+                <a:extLst>
+                  <a:ext uri="{0D108BD9-81ED-4DB2-BD59-A6C34878D82A}">
+                    <a16:rowId xmlns:a16="http://schemas.microsoft.com/office/drawing/2014/main" val="631131367"/>
+                  </a:ext>
+                </a:extLst>
+              </a:tr>
+              <a:tr h="920587">
+                <a:tc>
+                  <a:txBody>
+                    <a:bodyPr/>
+                    <a:lstStyle/>
+                    <a:p>
+                      <a:pPr algn="ctr"/>
+                      <a:r>
+                        <a:rPr lang="el-GR" sz="2400" b="1" dirty="0"/>
+                        <a:t>β</a:t>
+                      </a:r>
+                      <a:endParaRPr lang="en-US" sz="2400" b="1" dirty="0"/>
+                    </a:p>
+                  </a:txBody>
+                  <a:tcPr anchor="ctr">
+                    <a:lnL w="12700" cap="flat" cmpd="sng" algn="ctr">
+                      <a:solidFill>
+                        <a:schemeClr val="tx1"/>
+                      </a:solidFill>
+                      <a:prstDash val="solid"/>
+                      <a:round/>
+                      <a:headEnd type="none" w="med" len="med"/>
+                      <a:tailEnd type="none" w="med" len="med"/>
+                    </a:lnL>
+                    <a:lnR w="12700" cap="flat" cmpd="sng" algn="ctr">
+                      <a:solidFill>
+                        <a:schemeClr val="tx1"/>
+                      </a:solidFill>
+                      <a:prstDash val="solid"/>
+                      <a:round/>
+                      <a:headEnd type="none" w="med" len="med"/>
+                      <a:tailEnd type="none" w="med" len="med"/>
+                    </a:lnR>
+                    <a:lnT w="12700" cap="flat" cmpd="sng" algn="ctr">
+                      <a:solidFill>
+                        <a:schemeClr val="tx1"/>
+                      </a:solidFill>
+                      <a:prstDash val="solid"/>
+                      <a:round/>
+                      <a:headEnd type="none" w="med" len="med"/>
+                      <a:tailEnd type="none" w="med" len="med"/>
+                    </a:lnT>
+                    <a:lnB w="12700" cap="flat" cmpd="sng" algn="ctr">
+                      <a:solidFill>
+                        <a:schemeClr val="tx1"/>
+                      </a:solidFill>
+                      <a:prstDash val="solid"/>
+                      <a:round/>
+                      <a:headEnd type="none" w="med" len="med"/>
+                      <a:tailEnd type="none" w="med" len="med"/>
+                    </a:lnB>
+                  </a:tcPr>
+                </a:tc>
+                <a:tc>
+                  <a:txBody>
+                    <a:bodyPr/>
+                    <a:lstStyle/>
+                    <a:p>
+                      <a:pPr marL="285750" indent="-285750">
+                        <a:buFont typeface="Arial" panose="020B0604020202020204" pitchFamily="34" charset="0"/>
+                        <a:buChar char="•"/>
+                      </a:pPr>
+                      <a:r>
+                        <a:rPr lang="en-US" dirty="0"/>
+                        <a:t>SAR Fleet (Agents, UAVs, Drones)</a:t>
+                      </a:r>
+                    </a:p>
+                    <a:p>
+                      <a:pPr marL="285750" indent="-285750">
+                        <a:buFont typeface="Arial" panose="020B0604020202020204" pitchFamily="34" charset="0"/>
+                        <a:buChar char="•"/>
+                      </a:pPr>
+                      <a:r>
+                        <a:rPr lang="en-US" dirty="0"/>
+                        <a:t>Joint Operations (Medical, FOB, Evac)</a:t>
+                      </a:r>
+                    </a:p>
+                  </a:txBody>
+                  <a:tcPr>
+                    <a:lnL w="12700" cap="flat" cmpd="sng" algn="ctr">
+                      <a:solidFill>
+                        <a:schemeClr val="tx1"/>
+                      </a:solidFill>
+                      <a:prstDash val="solid"/>
+                      <a:round/>
+                      <a:headEnd type="none" w="med" len="med"/>
+                      <a:tailEnd type="none" w="med" len="med"/>
+                    </a:lnL>
+                    <a:lnR w="12700" cap="flat" cmpd="sng" algn="ctr">
+                      <a:solidFill>
+                        <a:schemeClr val="tx1"/>
+                      </a:solidFill>
+                      <a:prstDash val="solid"/>
+                      <a:round/>
+                      <a:headEnd type="none" w="med" len="med"/>
+                      <a:tailEnd type="none" w="med" len="med"/>
+                    </a:lnR>
+                    <a:lnT w="12700" cap="flat" cmpd="sng" algn="ctr">
+                      <a:solidFill>
+                        <a:schemeClr val="tx1"/>
+                      </a:solidFill>
+                      <a:prstDash val="solid"/>
+                      <a:round/>
+                      <a:headEnd type="none" w="med" len="med"/>
+                      <a:tailEnd type="none" w="med" len="med"/>
+                    </a:lnT>
+                    <a:lnB w="12700" cap="flat" cmpd="sng" algn="ctr">
+                      <a:solidFill>
+                        <a:schemeClr val="tx1"/>
+                      </a:solidFill>
+                      <a:prstDash val="solid"/>
+                      <a:round/>
+                      <a:headEnd type="none" w="med" len="med"/>
+                      <a:tailEnd type="none" w="med" len="med"/>
+                    </a:lnB>
+                  </a:tcPr>
+                </a:tc>
+                <a:tc>
+                  <a:txBody>
+                    <a:bodyPr/>
+                    <a:lstStyle/>
+                    <a:p>
+                      <a:pPr marL="285750" indent="-285750">
+                        <a:buFont typeface="Arial" panose="020B0604020202020204" pitchFamily="34" charset="0"/>
+                        <a:buChar char="•"/>
+                      </a:pPr>
+                      <a:r>
+                        <a:rPr lang="en-US" dirty="0"/>
+                        <a:t>Network communication between all SRA agents</a:t>
+                      </a:r>
+                    </a:p>
+                    <a:p>
+                      <a:pPr marL="285750" indent="-285750">
+                        <a:buFont typeface="Arial" panose="020B0604020202020204" pitchFamily="34" charset="0"/>
+                        <a:buChar char="•"/>
+                      </a:pPr>
+                      <a:r>
+                        <a:rPr lang="en-US" dirty="0"/>
+                        <a:t>Network communications with Zones</a:t>
+                      </a:r>
+                    </a:p>
+                  </a:txBody>
+                  <a:tcPr>
+                    <a:lnL w="12700" cap="flat" cmpd="sng" algn="ctr">
+                      <a:solidFill>
+                        <a:schemeClr val="tx1"/>
+                      </a:solidFill>
+                      <a:prstDash val="solid"/>
+                      <a:round/>
+                      <a:headEnd type="none" w="med" len="med"/>
+                      <a:tailEnd type="none" w="med" len="med"/>
+                    </a:lnL>
+                    <a:lnR w="12700" cap="flat" cmpd="sng" algn="ctr">
+                      <a:solidFill>
+                        <a:schemeClr val="tx1"/>
+                      </a:solidFill>
+                      <a:prstDash val="solid"/>
+                      <a:round/>
+                      <a:headEnd type="none" w="med" len="med"/>
+                      <a:tailEnd type="none" w="med" len="med"/>
+                    </a:lnR>
+                    <a:lnT w="12700" cap="flat" cmpd="sng" algn="ctr">
+                      <a:solidFill>
+                        <a:schemeClr val="tx1"/>
+                      </a:solidFill>
+                      <a:prstDash val="solid"/>
+                      <a:round/>
+                      <a:headEnd type="none" w="med" len="med"/>
+                      <a:tailEnd type="none" w="med" len="med"/>
+                    </a:lnT>
+                    <a:lnB w="12700" cap="flat" cmpd="sng" algn="ctr">
+                      <a:solidFill>
+                        <a:schemeClr val="tx1"/>
+                      </a:solidFill>
+                      <a:prstDash val="solid"/>
+                      <a:round/>
+                      <a:headEnd type="none" w="med" len="med"/>
+                      <a:tailEnd type="none" w="med" len="med"/>
+                    </a:lnB>
+                  </a:tcPr>
+                </a:tc>
+                <a:tc>
+                  <a:txBody>
+                    <a:bodyPr/>
+                    <a:lstStyle/>
+                    <a:p>
+                      <a:pPr marL="285750" indent="-285750">
+                        <a:buFont typeface="Arial" panose="020B0604020202020204" pitchFamily="34" charset="0"/>
+                        <a:buChar char="•"/>
+                      </a:pPr>
+                      <a:r>
+                        <a:rPr lang="en-US" dirty="0"/>
+                        <a:t>Fleet-wide communications</a:t>
+                      </a:r>
+                    </a:p>
+                    <a:p>
+                      <a:pPr marL="285750" indent="-285750">
+                        <a:buFont typeface="Arial" panose="020B0604020202020204" pitchFamily="34" charset="0"/>
+                        <a:buChar char="•"/>
+                      </a:pPr>
+                      <a:r>
+                        <a:rPr lang="en-US" dirty="0"/>
+                        <a:t>Fleet-operations policies</a:t>
+                      </a:r>
+                    </a:p>
+                    <a:p>
+                      <a:pPr marL="285750" indent="-285750">
+                        <a:buFont typeface="Arial" panose="020B0604020202020204" pitchFamily="34" charset="0"/>
+                        <a:buChar char="•"/>
+                      </a:pPr>
+                      <a:r>
+                        <a:rPr lang="en-US" dirty="0"/>
+                        <a:t>Local regulations</a:t>
+                      </a:r>
+                    </a:p>
+                  </a:txBody>
+                  <a:tcPr>
+                    <a:lnL w="12700" cap="flat" cmpd="sng" algn="ctr">
+                      <a:solidFill>
+                        <a:schemeClr val="tx1"/>
+                      </a:solidFill>
+                      <a:prstDash val="solid"/>
+                      <a:round/>
+                      <a:headEnd type="none" w="med" len="med"/>
+                      <a:tailEnd type="none" w="med" len="med"/>
+                    </a:lnL>
+                    <a:lnR w="12700" cap="flat" cmpd="sng" algn="ctr">
+                      <a:solidFill>
+                        <a:schemeClr val="tx1"/>
+                      </a:solidFill>
+                      <a:prstDash val="solid"/>
+                      <a:round/>
+                      <a:headEnd type="none" w="med" len="med"/>
+                      <a:tailEnd type="none" w="med" len="med"/>
+                    </a:lnR>
+                    <a:lnT w="12700" cap="flat" cmpd="sng" algn="ctr">
+                      <a:solidFill>
+                        <a:schemeClr val="tx1"/>
+                      </a:solidFill>
+                      <a:prstDash val="solid"/>
+                      <a:round/>
+                      <a:headEnd type="none" w="med" len="med"/>
+                      <a:tailEnd type="none" w="med" len="med"/>
+                    </a:lnT>
+                    <a:lnB w="12700" cap="flat" cmpd="sng" algn="ctr">
+                      <a:solidFill>
+                        <a:schemeClr val="tx1"/>
+                      </a:solidFill>
+                      <a:prstDash val="solid"/>
+                      <a:round/>
+                      <a:headEnd type="none" w="med" len="med"/>
+                      <a:tailEnd type="none" w="med" len="med"/>
+                    </a:lnB>
+                  </a:tcPr>
+                </a:tc>
+                <a:tc>
+                  <a:txBody>
+                    <a:bodyPr/>
+                    <a:lstStyle/>
+                    <a:p>
+                      <a:pPr marL="285750" indent="-285750">
+                        <a:buFont typeface="Arial" panose="020B0604020202020204" pitchFamily="34" charset="0"/>
+                        <a:buChar char="•"/>
+                      </a:pPr>
+                      <a:r>
+                        <a:rPr lang="en-US" dirty="0"/>
+                        <a:t>Cost of zone network operations</a:t>
+                      </a:r>
+                    </a:p>
+                    <a:p>
+                      <a:pPr marL="285750" indent="-285750">
+                        <a:buFont typeface="Arial" panose="020B0604020202020204" pitchFamily="34" charset="0"/>
+                        <a:buChar char="•"/>
+                      </a:pPr>
+                      <a:r>
+                        <a:rPr lang="en-US" dirty="0"/>
+                        <a:t>Cost of SAR network operations</a:t>
+                      </a:r>
+                    </a:p>
+                  </a:txBody>
+                  <a:tcPr>
+                    <a:lnL w="12700" cap="flat" cmpd="sng" algn="ctr">
+                      <a:solidFill>
+                        <a:schemeClr val="tx1"/>
+                      </a:solidFill>
+                      <a:prstDash val="solid"/>
+                      <a:round/>
+                      <a:headEnd type="none" w="med" len="med"/>
+                      <a:tailEnd type="none" w="med" len="med"/>
+                    </a:lnL>
+                    <a:lnR w="12700" cap="flat" cmpd="sng" algn="ctr">
+                      <a:solidFill>
+                        <a:schemeClr val="tx1"/>
+                      </a:solidFill>
+                      <a:prstDash val="solid"/>
+                      <a:round/>
+                      <a:headEnd type="none" w="med" len="med"/>
+                      <a:tailEnd type="none" w="med" len="med"/>
+                    </a:lnR>
+                    <a:lnT w="12700" cap="flat" cmpd="sng" algn="ctr">
+                      <a:solidFill>
+                        <a:schemeClr val="tx1"/>
+                      </a:solidFill>
+                      <a:prstDash val="solid"/>
+                      <a:round/>
+                      <a:headEnd type="none" w="med" len="med"/>
+                      <a:tailEnd type="none" w="med" len="med"/>
+                    </a:lnT>
+                    <a:lnB w="12700" cap="flat" cmpd="sng" algn="ctr">
+                      <a:solidFill>
+                        <a:schemeClr val="tx1"/>
+                      </a:solidFill>
+                      <a:prstDash val="solid"/>
+                      <a:round/>
+                      <a:headEnd type="none" w="med" len="med"/>
+                      <a:tailEnd type="none" w="med" len="med"/>
+                    </a:lnB>
+                  </a:tcPr>
+                </a:tc>
+                <a:extLst>
+                  <a:ext uri="{0D108BD9-81ED-4DB2-BD59-A6C34878D82A}">
+                    <a16:rowId xmlns:a16="http://schemas.microsoft.com/office/drawing/2014/main" val="622459500"/>
+                  </a:ext>
+                </a:extLst>
+              </a:tr>
+              <a:tr h="920587">
+                <a:tc>
+                  <a:txBody>
+                    <a:bodyPr/>
+                    <a:lstStyle/>
+                    <a:p>
+                      <a:pPr algn="ctr"/>
+                      <a:r>
+                        <a:rPr lang="el-GR" sz="2400" b="1" dirty="0"/>
+                        <a:t>γ</a:t>
+                      </a:r>
+                      <a:endParaRPr lang="en-US" sz="2400" b="1" dirty="0"/>
+                    </a:p>
+                  </a:txBody>
+                  <a:tcPr anchor="ctr">
+                    <a:lnL w="12700" cap="flat" cmpd="sng" algn="ctr">
+                      <a:solidFill>
+                        <a:schemeClr val="tx1"/>
+                      </a:solidFill>
+                      <a:prstDash val="solid"/>
+                      <a:round/>
+                      <a:headEnd type="none" w="med" len="med"/>
+                      <a:tailEnd type="none" w="med" len="med"/>
+                    </a:lnL>
+                    <a:lnR w="12700" cap="flat" cmpd="sng" algn="ctr">
+                      <a:solidFill>
+                        <a:schemeClr val="tx1"/>
+                      </a:solidFill>
+                      <a:prstDash val="solid"/>
+                      <a:round/>
+                      <a:headEnd type="none" w="med" len="med"/>
+                      <a:tailEnd type="none" w="med" len="med"/>
+                    </a:lnR>
+                    <a:lnT w="12700" cap="flat" cmpd="sng" algn="ctr">
+                      <a:solidFill>
+                        <a:schemeClr val="tx1"/>
+                      </a:solidFill>
+                      <a:prstDash val="solid"/>
+                      <a:round/>
+                      <a:headEnd type="none" w="med" len="med"/>
+                      <a:tailEnd type="none" w="med" len="med"/>
+                    </a:lnT>
+                    <a:lnB w="12700" cap="flat" cmpd="sng" algn="ctr">
+                      <a:solidFill>
+                        <a:schemeClr val="tx1"/>
+                      </a:solidFill>
+                      <a:prstDash val="solid"/>
+                      <a:round/>
+                      <a:headEnd type="none" w="med" len="med"/>
+                      <a:tailEnd type="none" w="med" len="med"/>
+                    </a:lnB>
+                  </a:tcPr>
+                </a:tc>
+                <a:tc>
+                  <a:txBody>
+                    <a:bodyPr/>
+                    <a:lstStyle/>
+                    <a:p>
+                      <a:pPr marL="285750" indent="-285750">
+                        <a:buFont typeface="Arial" panose="020B0604020202020204" pitchFamily="34" charset="0"/>
+                        <a:buChar char="•"/>
+                      </a:pPr>
+                      <a:r>
+                        <a:rPr lang="en-US" dirty="0"/>
+                        <a:t>Fleet (System of Systems) of SAR agents and Zones</a:t>
+                      </a:r>
+                    </a:p>
+                  </a:txBody>
+                  <a:tcPr>
+                    <a:lnL w="12700" cap="flat" cmpd="sng" algn="ctr">
+                      <a:solidFill>
+                        <a:schemeClr val="tx1"/>
+                      </a:solidFill>
+                      <a:prstDash val="solid"/>
+                      <a:round/>
+                      <a:headEnd type="none" w="med" len="med"/>
+                      <a:tailEnd type="none" w="med" len="med"/>
+                    </a:lnL>
+                    <a:lnR w="12700" cap="flat" cmpd="sng" algn="ctr">
+                      <a:solidFill>
+                        <a:schemeClr val="tx1"/>
+                      </a:solidFill>
+                      <a:prstDash val="solid"/>
+                      <a:round/>
+                      <a:headEnd type="none" w="med" len="med"/>
+                      <a:tailEnd type="none" w="med" len="med"/>
+                    </a:lnR>
+                    <a:lnT w="12700" cap="flat" cmpd="sng" algn="ctr">
+                      <a:solidFill>
+                        <a:schemeClr val="tx1"/>
+                      </a:solidFill>
+                      <a:prstDash val="solid"/>
+                      <a:round/>
+                      <a:headEnd type="none" w="med" len="med"/>
+                      <a:tailEnd type="none" w="med" len="med"/>
+                    </a:lnT>
+                    <a:lnB w="12700" cap="flat" cmpd="sng" algn="ctr">
+                      <a:solidFill>
+                        <a:schemeClr val="tx1"/>
+                      </a:solidFill>
+                      <a:prstDash val="solid"/>
+                      <a:round/>
+                      <a:headEnd type="none" w="med" len="med"/>
+                      <a:tailEnd type="none" w="med" len="med"/>
+                    </a:lnB>
+                  </a:tcPr>
+                </a:tc>
+                <a:tc>
+                  <a:txBody>
+                    <a:bodyPr/>
+                    <a:lstStyle/>
+                    <a:p>
+                      <a:pPr marL="285750" indent="-285750">
+                        <a:buFont typeface="Arial" panose="020B0604020202020204" pitchFamily="34" charset="0"/>
+                        <a:buChar char="•"/>
+                      </a:pPr>
+                      <a:r>
+                        <a:rPr lang="en-US" dirty="0"/>
+                        <a:t>Nodal Network Operations of Agents and Zones</a:t>
+                      </a:r>
+                    </a:p>
+                    <a:p>
+                      <a:pPr marL="285750" indent="-285750">
+                        <a:buFont typeface="Arial" panose="020B0604020202020204" pitchFamily="34" charset="0"/>
+                        <a:buChar char="•"/>
+                      </a:pPr>
+                      <a:r>
+                        <a:rPr lang="en-US" dirty="0"/>
+                        <a:t>Global Operational Goals</a:t>
+                      </a:r>
+                    </a:p>
+                  </a:txBody>
+                  <a:tcPr>
+                    <a:lnL w="12700" cap="flat" cmpd="sng" algn="ctr">
+                      <a:solidFill>
+                        <a:schemeClr val="tx1"/>
+                      </a:solidFill>
+                      <a:prstDash val="solid"/>
+                      <a:round/>
+                      <a:headEnd type="none" w="med" len="med"/>
+                      <a:tailEnd type="none" w="med" len="med"/>
+                    </a:lnL>
+                    <a:lnR w="12700" cap="flat" cmpd="sng" algn="ctr">
+                      <a:solidFill>
+                        <a:schemeClr val="tx1"/>
+                      </a:solidFill>
+                      <a:prstDash val="solid"/>
+                      <a:round/>
+                      <a:headEnd type="none" w="med" len="med"/>
+                      <a:tailEnd type="none" w="med" len="med"/>
+                    </a:lnR>
+                    <a:lnT w="12700" cap="flat" cmpd="sng" algn="ctr">
+                      <a:solidFill>
+                        <a:schemeClr val="tx1"/>
+                      </a:solidFill>
+                      <a:prstDash val="solid"/>
+                      <a:round/>
+                      <a:headEnd type="none" w="med" len="med"/>
+                      <a:tailEnd type="none" w="med" len="med"/>
+                    </a:lnT>
+                    <a:lnB w="12700" cap="flat" cmpd="sng" algn="ctr">
+                      <a:solidFill>
+                        <a:schemeClr val="tx1"/>
+                      </a:solidFill>
+                      <a:prstDash val="solid"/>
+                      <a:round/>
+                      <a:headEnd type="none" w="med" len="med"/>
+                      <a:tailEnd type="none" w="med" len="med"/>
+                    </a:lnB>
+                  </a:tcPr>
+                </a:tc>
+                <a:tc>
+                  <a:txBody>
+                    <a:bodyPr/>
+                    <a:lstStyle/>
+                    <a:p>
+                      <a:pPr marL="285750" indent="-285750">
+                        <a:buFont typeface="Arial" panose="020B0604020202020204" pitchFamily="34" charset="0"/>
+                        <a:buChar char="•"/>
+                      </a:pPr>
+                      <a:r>
+                        <a:rPr lang="en-US" dirty="0"/>
+                        <a:t>Organizational level policies and goals</a:t>
+                      </a:r>
+                    </a:p>
+                    <a:p>
+                      <a:pPr marL="285750" indent="-285750">
+                        <a:buFont typeface="Arial" panose="020B0604020202020204" pitchFamily="34" charset="0"/>
+                        <a:buChar char="•"/>
+                      </a:pPr>
+                      <a:r>
+                        <a:rPr lang="en-US" dirty="0"/>
+                        <a:t>Global regulations (ex. FEMA)</a:t>
+                      </a:r>
+                    </a:p>
+                  </a:txBody>
+                  <a:tcPr>
+                    <a:lnL w="12700" cap="flat" cmpd="sng" algn="ctr">
+                      <a:solidFill>
+                        <a:schemeClr val="tx1"/>
+                      </a:solidFill>
+                      <a:prstDash val="solid"/>
+                      <a:round/>
+                      <a:headEnd type="none" w="med" len="med"/>
+                      <a:tailEnd type="none" w="med" len="med"/>
+                    </a:lnL>
+                    <a:lnR w="12700" cap="flat" cmpd="sng" algn="ctr">
+                      <a:solidFill>
+                        <a:schemeClr val="tx1"/>
+                      </a:solidFill>
+                      <a:prstDash val="solid"/>
+                      <a:round/>
+                      <a:headEnd type="none" w="med" len="med"/>
+                      <a:tailEnd type="none" w="med" len="med"/>
+                    </a:lnR>
+                    <a:lnT w="12700" cap="flat" cmpd="sng" algn="ctr">
+                      <a:solidFill>
+                        <a:schemeClr val="tx1"/>
+                      </a:solidFill>
+                      <a:prstDash val="solid"/>
+                      <a:round/>
+                      <a:headEnd type="none" w="med" len="med"/>
+                      <a:tailEnd type="none" w="med" len="med"/>
+                    </a:lnT>
+                    <a:lnB w="12700" cap="flat" cmpd="sng" algn="ctr">
+                      <a:solidFill>
+                        <a:schemeClr val="tx1"/>
+                      </a:solidFill>
+                      <a:prstDash val="solid"/>
+                      <a:round/>
+                      <a:headEnd type="none" w="med" len="med"/>
+                      <a:tailEnd type="none" w="med" len="med"/>
+                    </a:lnB>
+                  </a:tcPr>
+                </a:tc>
+                <a:tc>
+                  <a:txBody>
+                    <a:bodyPr/>
+                    <a:lstStyle/>
+                    <a:p>
+                      <a:pPr marL="285750" indent="-285750">
+                        <a:buFont typeface="Arial" panose="020B0604020202020204" pitchFamily="34" charset="0"/>
+                        <a:buChar char="•"/>
+                      </a:pPr>
+                      <a:r>
+                        <a:rPr lang="en-US" dirty="0"/>
+                        <a:t>Cost of total SoS operations</a:t>
+                      </a:r>
+                    </a:p>
+                    <a:p>
+                      <a:pPr marL="285750" indent="-285750">
+                        <a:buFont typeface="Arial" panose="020B0604020202020204" pitchFamily="34" charset="0"/>
+                        <a:buChar char="•"/>
+                      </a:pPr>
+                      <a:r>
+                        <a:rPr lang="en-US" dirty="0"/>
+                        <a:t>Cost of total SoS infrastructure, materials, equipment</a:t>
+                      </a:r>
+                    </a:p>
+                  </a:txBody>
+                  <a:tcPr>
+                    <a:lnL w="12700" cap="flat" cmpd="sng" algn="ctr">
+                      <a:solidFill>
+                        <a:schemeClr val="tx1"/>
+                      </a:solidFill>
+                      <a:prstDash val="solid"/>
+                      <a:round/>
+                      <a:headEnd type="none" w="med" len="med"/>
+                      <a:tailEnd type="none" w="med" len="med"/>
+                    </a:lnL>
+                    <a:lnR w="12700" cap="flat" cmpd="sng" algn="ctr">
+                      <a:solidFill>
+                        <a:schemeClr val="tx1"/>
+                      </a:solidFill>
+                      <a:prstDash val="solid"/>
+                      <a:round/>
+                      <a:headEnd type="none" w="med" len="med"/>
+                      <a:tailEnd type="none" w="med" len="med"/>
+                    </a:lnR>
+                    <a:lnT w="12700" cap="flat" cmpd="sng" algn="ctr">
+                      <a:solidFill>
+                        <a:schemeClr val="tx1"/>
+                      </a:solidFill>
+                      <a:prstDash val="solid"/>
+                      <a:round/>
+                      <a:headEnd type="none" w="med" len="med"/>
+                      <a:tailEnd type="none" w="med" len="med"/>
+                    </a:lnT>
+                    <a:lnB w="12700" cap="flat" cmpd="sng" algn="ctr">
+                      <a:solidFill>
+                        <a:schemeClr val="tx1"/>
+                      </a:solidFill>
+                      <a:prstDash val="solid"/>
+                      <a:round/>
+                      <a:headEnd type="none" w="med" len="med"/>
+                      <a:tailEnd type="none" w="med" len="med"/>
+                    </a:lnB>
+                  </a:tcPr>
+                </a:tc>
+                <a:extLst>
+                  <a:ext uri="{0D108BD9-81ED-4DB2-BD59-A6C34878D82A}">
+                    <a16:rowId xmlns:a16="http://schemas.microsoft.com/office/drawing/2014/main" val="206502593"/>
+                  </a:ext>
+                </a:extLst>
+              </a:tr>
+            </a:tbl>
+          </a:graphicData>
+        </a:graphic>
+      </p:graphicFrame>
+    </p:spTree>
+    <p:extLst>
+      <p:ext uri="{BB962C8B-B14F-4D97-AF65-F5344CB8AC3E}">
+        <p14:creationId xmlns:p14="http://schemas.microsoft.com/office/powerpoint/2010/main" val="3510682555"/>
+      </p:ext>
+    </p:extLst>
+  </p:cSld>
+  <p:clrMapOvr>
+    <a:masterClrMapping/>
+  </p:clrMapOvr>
+</p:sld>
+</file>
+
 <file path=ppt/theme/theme1.xml><?xml version="1.0" encoding="utf-8"?>
 <a:theme xmlns:a="http://schemas.openxmlformats.org/drawingml/2006/main" name="Office Theme">
   <a:themeElements>
